--- a/ai/ai.pptx
+++ b/ai/ai.pptx
@@ -204,7 +204,7 @@
           <a:p>
             <a:fld id="{013D7D23-95FE-4191-B08D-3CBB1E1CEEFE}" type="datetimeFigureOut">
               <a:rPr lang="pt-PT" smtClean="0"/>
-              <a:t>14/06/2024</a:t>
+              <a:t>21/03/2025</a:t>
             </a:fld>
             <a:endParaRPr lang="pt-PT" dirty="0"/>
           </a:p>
@@ -603,7 +603,7 @@
           <a:p>
             <a:fld id="{5C0ED97C-8255-4BAC-9D42-1F6A6651E287}" type="datetime1">
               <a:rPr lang="pt-PT" smtClean="0"/>
-              <a:t>14/06/2024</a:t>
+              <a:t>21/03/2025</a:t>
             </a:fld>
             <a:endParaRPr lang="pt-PT" dirty="0"/>
           </a:p>
@@ -773,7 +773,7 @@
           <a:p>
             <a:fld id="{4FCC8996-E467-4FE1-B165-4002860D0AC7}" type="datetime1">
               <a:rPr lang="pt-PT" smtClean="0"/>
-              <a:t>14/06/2024</a:t>
+              <a:t>21/03/2025</a:t>
             </a:fld>
             <a:endParaRPr lang="pt-PT" dirty="0"/>
           </a:p>
@@ -953,7 +953,7 @@
           <a:p>
             <a:fld id="{C104532E-E792-4BF5-B399-9E5E16070233}" type="datetime1">
               <a:rPr lang="pt-PT" smtClean="0"/>
-              <a:t>14/06/2024</a:t>
+              <a:t>21/03/2025</a:t>
             </a:fld>
             <a:endParaRPr lang="pt-PT" dirty="0"/>
           </a:p>
@@ -1163,7 +1163,7 @@
           <a:p>
             <a:fld id="{FF4AF87E-A15D-4480-B791-15D75F8AF848}" type="datetimeFigureOut">
               <a:rPr lang="pt-PT" smtClean="0"/>
-              <a:t>14/06/2024</a:t>
+              <a:t>21/03/2025</a:t>
             </a:fld>
             <a:endParaRPr lang="pt-PT"/>
           </a:p>
@@ -1363,7 +1363,7 @@
           <a:p>
             <a:fld id="{FF4AF87E-A15D-4480-B791-15D75F8AF848}" type="datetimeFigureOut">
               <a:rPr lang="pt-PT" smtClean="0"/>
-              <a:t>14/06/2024</a:t>
+              <a:t>21/03/2025</a:t>
             </a:fld>
             <a:endParaRPr lang="pt-PT"/>
           </a:p>
@@ -1639,7 +1639,7 @@
           <a:p>
             <a:fld id="{FF4AF87E-A15D-4480-B791-15D75F8AF848}" type="datetimeFigureOut">
               <a:rPr lang="pt-PT" smtClean="0"/>
-              <a:t>14/06/2024</a:t>
+              <a:t>21/03/2025</a:t>
             </a:fld>
             <a:endParaRPr lang="pt-PT"/>
           </a:p>
@@ -1907,7 +1907,7 @@
           <a:p>
             <a:fld id="{FF4AF87E-A15D-4480-B791-15D75F8AF848}" type="datetimeFigureOut">
               <a:rPr lang="pt-PT" smtClean="0"/>
-              <a:t>14/06/2024</a:t>
+              <a:t>21/03/2025</a:t>
             </a:fld>
             <a:endParaRPr lang="pt-PT"/>
           </a:p>
@@ -2322,7 +2322,7 @@
           <a:p>
             <a:fld id="{FF4AF87E-A15D-4480-B791-15D75F8AF848}" type="datetimeFigureOut">
               <a:rPr lang="pt-PT" smtClean="0"/>
-              <a:t>14/06/2024</a:t>
+              <a:t>21/03/2025</a:t>
             </a:fld>
             <a:endParaRPr lang="pt-PT"/>
           </a:p>
@@ -2464,7 +2464,7 @@
           <a:p>
             <a:fld id="{FF4AF87E-A15D-4480-B791-15D75F8AF848}" type="datetimeFigureOut">
               <a:rPr lang="pt-PT" smtClean="0"/>
-              <a:t>14/06/2024</a:t>
+              <a:t>21/03/2025</a:t>
             </a:fld>
             <a:endParaRPr lang="pt-PT"/>
           </a:p>
@@ -2577,7 +2577,7 @@
           <a:p>
             <a:fld id="{FF4AF87E-A15D-4480-B791-15D75F8AF848}" type="datetimeFigureOut">
               <a:rPr lang="pt-PT" smtClean="0"/>
-              <a:t>14/06/2024</a:t>
+              <a:t>21/03/2025</a:t>
             </a:fld>
             <a:endParaRPr lang="pt-PT"/>
           </a:p>
@@ -2890,7 +2890,7 @@
           <a:p>
             <a:fld id="{FF4AF87E-A15D-4480-B791-15D75F8AF848}" type="datetimeFigureOut">
               <a:rPr lang="pt-PT" smtClean="0"/>
-              <a:t>14/06/2024</a:t>
+              <a:t>21/03/2025</a:t>
             </a:fld>
             <a:endParaRPr lang="pt-PT"/>
           </a:p>
@@ -3072,7 +3072,7 @@
           <a:p>
             <a:fld id="{5FC36660-F7C2-4C37-BD61-E2E985519A54}" type="datetime1">
               <a:rPr lang="pt-PT" smtClean="0"/>
-              <a:t>14/06/2024</a:t>
+              <a:t>21/03/2025</a:t>
             </a:fld>
             <a:endParaRPr lang="pt-PT" dirty="0"/>
           </a:p>
@@ -3349,7 +3349,7 @@
           <a:p>
             <a:fld id="{FF4AF87E-A15D-4480-B791-15D75F8AF848}" type="datetimeFigureOut">
               <a:rPr lang="pt-PT" smtClean="0"/>
-              <a:t>14/06/2024</a:t>
+              <a:t>21/03/2025</a:t>
             </a:fld>
             <a:endParaRPr lang="pt-PT"/>
           </a:p>
@@ -3549,7 +3549,7 @@
           <a:p>
             <a:fld id="{FF4AF87E-A15D-4480-B791-15D75F8AF848}" type="datetimeFigureOut">
               <a:rPr lang="pt-PT" smtClean="0"/>
-              <a:t>14/06/2024</a:t>
+              <a:t>21/03/2025</a:t>
             </a:fld>
             <a:endParaRPr lang="pt-PT"/>
           </a:p>
@@ -3759,7 +3759,7 @@
           <a:p>
             <a:fld id="{FF4AF87E-A15D-4480-B791-15D75F8AF848}" type="datetimeFigureOut">
               <a:rPr lang="pt-PT" smtClean="0"/>
-              <a:t>14/06/2024</a:t>
+              <a:t>21/03/2025</a:t>
             </a:fld>
             <a:endParaRPr lang="pt-PT"/>
           </a:p>
@@ -4017,7 +4017,7 @@
           <a:p>
             <a:fld id="{EC1C553A-1723-4842-A3DB-E76BD21F5C6D}" type="datetime1">
               <a:rPr lang="pt-PT" smtClean="0"/>
-              <a:t>14/06/2024</a:t>
+              <a:t>21/03/2025</a:t>
             </a:fld>
             <a:endParaRPr lang="pt-PT" dirty="0"/>
           </a:p>
@@ -4249,7 +4249,7 @@
           <a:p>
             <a:fld id="{CE9B351E-3840-4886-B007-BC84D7C14686}" type="datetime1">
               <a:rPr lang="pt-PT" smtClean="0"/>
-              <a:t>14/06/2024</a:t>
+              <a:t>21/03/2025</a:t>
             </a:fld>
             <a:endParaRPr lang="pt-PT" dirty="0"/>
           </a:p>
@@ -4616,7 +4616,7 @@
           <a:p>
             <a:fld id="{C8686839-F4ED-436E-9AC9-AC7A0A0CD179}" type="datetime1">
               <a:rPr lang="pt-PT" smtClean="0"/>
-              <a:t>14/06/2024</a:t>
+              <a:t>21/03/2025</a:t>
             </a:fld>
             <a:endParaRPr lang="pt-PT" dirty="0"/>
           </a:p>
@@ -4734,7 +4734,7 @@
           <a:p>
             <a:fld id="{2AB82247-1A7C-4F98-8F33-5E4D07EFBF12}" type="datetime1">
               <a:rPr lang="pt-PT" smtClean="0"/>
-              <a:t>14/06/2024</a:t>
+              <a:t>21/03/2025</a:t>
             </a:fld>
             <a:endParaRPr lang="pt-PT" dirty="0"/>
           </a:p>
@@ -4829,7 +4829,7 @@
           <a:p>
             <a:fld id="{AFE320DE-3391-4A27-9653-F2BD505B9A08}" type="datetime1">
               <a:rPr lang="pt-PT" smtClean="0"/>
-              <a:t>14/06/2024</a:t>
+              <a:t>21/03/2025</a:t>
             </a:fld>
             <a:endParaRPr lang="pt-PT" dirty="0"/>
           </a:p>
@@ -5106,7 +5106,7 @@
           <a:p>
             <a:fld id="{E69250C8-88B2-4209-BD56-05813AC521DC}" type="datetime1">
               <a:rPr lang="pt-PT" smtClean="0"/>
-              <a:t>14/06/2024</a:t>
+              <a:t>21/03/2025</a:t>
             </a:fld>
             <a:endParaRPr lang="pt-PT" dirty="0"/>
           </a:p>
@@ -5359,7 +5359,7 @@
           <a:p>
             <a:fld id="{0B847055-2F12-42A4-9432-334276564B1D}" type="datetime1">
               <a:rPr lang="pt-PT" smtClean="0"/>
-              <a:t>14/06/2024</a:t>
+              <a:t>21/03/2025</a:t>
             </a:fld>
             <a:endParaRPr lang="pt-PT" dirty="0"/>
           </a:p>
@@ -5572,7 +5572,7 @@
           <a:p>
             <a:fld id="{B0883CD8-EC5B-4369-8F97-BE1E84F10887}" type="datetime1">
               <a:rPr lang="pt-PT" smtClean="0"/>
-              <a:t>14/06/2024</a:t>
+              <a:t>21/03/2025</a:t>
             </a:fld>
             <a:endParaRPr lang="pt-PT" dirty="0"/>
           </a:p>
@@ -6131,7 +6131,7 @@
           <a:p>
             <a:fld id="{FF4AF87E-A15D-4480-B791-15D75F8AF848}" type="datetimeFigureOut">
               <a:rPr lang="pt-PT" smtClean="0"/>
-              <a:t>14/06/2024</a:t>
+              <a:t>21/03/2025</a:t>
             </a:fld>
             <a:endParaRPr lang="pt-PT"/>
           </a:p>
@@ -7703,6 +7703,266 @@
             </a:p>
           </p:txBody>
         </p:sp>
+      </p:grpSp>
+      <p:grpSp>
+        <p:nvGrpSpPr>
+          <p:cNvPr id="19" name="Group 18">
+            <a:extLst>
+              <a:ext uri="{FF2B5EF4-FFF2-40B4-BE49-F238E27FC236}">
+                <a16:creationId xmlns:a16="http://schemas.microsoft.com/office/drawing/2014/main" id="{CA052FD0-7998-770F-9A07-19443E1CB8B0}"/>
+              </a:ext>
+            </a:extLst>
+          </p:cNvPr>
+          <p:cNvGrpSpPr/>
+          <p:nvPr/>
+        </p:nvGrpSpPr>
+        <p:grpSpPr>
+          <a:xfrm>
+            <a:off x="248907" y="2745817"/>
+            <a:ext cx="3144466" cy="289586"/>
+            <a:chOff x="5881666" y="1590687"/>
+            <a:chExt cx="3144466" cy="289586"/>
+          </a:xfrm>
+        </p:grpSpPr>
+        <p:sp>
+          <p:nvSpPr>
+            <p:cNvPr id="20" name="Retângulo 5">
+              <a:extLst>
+                <a:ext uri="{FF2B5EF4-FFF2-40B4-BE49-F238E27FC236}">
+                  <a16:creationId xmlns:a16="http://schemas.microsoft.com/office/drawing/2014/main" id="{236D70DD-81BA-26D2-011C-23CF903BE1FE}"/>
+                </a:ext>
+              </a:extLst>
+            </p:cNvPr>
+            <p:cNvSpPr/>
+            <p:nvPr/>
+          </p:nvSpPr>
+          <p:spPr>
+            <a:xfrm>
+              <a:off x="6081095" y="1603274"/>
+              <a:ext cx="2945037" cy="276999"/>
+            </a:xfrm>
+            <a:prstGeom prst="rect">
+              <a:avLst/>
+            </a:prstGeom>
+          </p:spPr>
+          <p:txBody>
+            <a:bodyPr wrap="none">
+              <a:spAutoFit/>
+            </a:bodyPr>
+            <a:lstStyle/>
+            <a:p>
+              <a:pPr marL="0" marR="0" lvl="0" indent="0" defTabSz="914369" eaLnBrk="1" fontAlgn="auto" latinLnBrk="0" hangingPunct="1">
+                <a:lnSpc>
+                  <a:spcPct val="100000"/>
+                </a:lnSpc>
+                <a:spcBef>
+                  <a:spcPts val="0"/>
+                </a:spcBef>
+                <a:spcAft>
+                  <a:spcPts val="0"/>
+                </a:spcAft>
+                <a:buClrTx/>
+                <a:buSzTx/>
+                <a:buFontTx/>
+                <a:buNone/>
+                <a:tabLst/>
+                <a:defRPr/>
+              </a:pPr>
+              <a:r>
+                <a:rPr kumimoji="0" lang="en-US" sz="1200" b="0" i="0" u="none" strike="noStrike" kern="0" cap="none" spc="0" normalizeH="0" baseline="0" noProof="0" dirty="0">
+                  <a:ln>
+                    <a:noFill/>
+                  </a:ln>
+                  <a:solidFill>
+                    <a:prstClr val="black"/>
+                  </a:solidFill>
+                  <a:effectLst/>
+                  <a:uLnTx/>
+                  <a:uFillTx/>
+                  <a:hlinkClick r:id="rId10"/>
+                </a:rPr>
+                <a:t>Introducing the Model Context Protocol ***</a:t>
+              </a:r>
+              <a:endParaRPr kumimoji="0" lang="en-US" sz="1200" b="0" i="0" u="none" strike="noStrike" kern="0" cap="none" spc="0" normalizeH="0" baseline="0" noProof="0" dirty="0">
+                <a:ln>
+                  <a:noFill/>
+                </a:ln>
+                <a:solidFill>
+                  <a:prstClr val="black"/>
+                </a:solidFill>
+                <a:effectLst/>
+                <a:uLnTx/>
+                <a:uFillTx/>
+              </a:endParaRPr>
+            </a:p>
+          </p:txBody>
+        </p:sp>
+        <p:pic>
+          <p:nvPicPr>
+            <p:cNvPr id="21" name="Picture 20" descr="Icon&#10;&#10;Description automatically generated">
+              <a:extLst>
+                <a:ext uri="{FF2B5EF4-FFF2-40B4-BE49-F238E27FC236}">
+                  <a16:creationId xmlns:a16="http://schemas.microsoft.com/office/drawing/2014/main" id="{F8F5ABA2-512F-E135-253D-404BA74E290C}"/>
+                </a:ext>
+              </a:extLst>
+            </p:cNvPr>
+            <p:cNvPicPr>
+              <a:picLocks noChangeAspect="1"/>
+            </p:cNvPicPr>
+            <p:nvPr/>
+          </p:nvPicPr>
+          <p:blipFill>
+            <a:blip r:embed="rId11" cstate="print">
+              <a:extLst>
+                <a:ext uri="{28A0092B-C50C-407E-A947-70E740481C1C}">
+                  <a14:useLocalDpi xmlns:a14="http://schemas.microsoft.com/office/drawing/2010/main" val="0"/>
+                </a:ext>
+              </a:extLst>
+            </a:blip>
+            <a:stretch>
+              <a:fillRect/>
+            </a:stretch>
+          </p:blipFill>
+          <p:spPr>
+            <a:xfrm>
+              <a:off x="5881666" y="1590687"/>
+              <a:ext cx="277000" cy="277000"/>
+            </a:xfrm>
+            <a:prstGeom prst="rect">
+              <a:avLst/>
+            </a:prstGeom>
+          </p:spPr>
+        </p:pic>
+      </p:grpSp>
+      <p:grpSp>
+        <p:nvGrpSpPr>
+          <p:cNvPr id="22" name="Group 21">
+            <a:extLst>
+              <a:ext uri="{FF2B5EF4-FFF2-40B4-BE49-F238E27FC236}">
+                <a16:creationId xmlns:a16="http://schemas.microsoft.com/office/drawing/2014/main" id="{A7DECAA2-6323-94D6-425B-774D27ABDAD6}"/>
+              </a:ext>
+            </a:extLst>
+          </p:cNvPr>
+          <p:cNvGrpSpPr/>
+          <p:nvPr/>
+        </p:nvGrpSpPr>
+        <p:grpSpPr>
+          <a:xfrm>
+            <a:off x="528638" y="3047990"/>
+            <a:ext cx="2292694" cy="289586"/>
+            <a:chOff x="5881666" y="1590687"/>
+            <a:chExt cx="2292694" cy="289586"/>
+          </a:xfrm>
+        </p:grpSpPr>
+        <p:sp>
+          <p:nvSpPr>
+            <p:cNvPr id="23" name="Retângulo 5">
+              <a:extLst>
+                <a:ext uri="{FF2B5EF4-FFF2-40B4-BE49-F238E27FC236}">
+                  <a16:creationId xmlns:a16="http://schemas.microsoft.com/office/drawing/2014/main" id="{FCD555CC-9A9E-6E8C-D133-4CEC7078FF34}"/>
+                </a:ext>
+              </a:extLst>
+            </p:cNvPr>
+            <p:cNvSpPr/>
+            <p:nvPr/>
+          </p:nvSpPr>
+          <p:spPr>
+            <a:xfrm>
+              <a:off x="6081095" y="1603274"/>
+              <a:ext cx="2093265" cy="276999"/>
+            </a:xfrm>
+            <a:prstGeom prst="rect">
+              <a:avLst/>
+            </a:prstGeom>
+          </p:spPr>
+          <p:txBody>
+            <a:bodyPr wrap="none">
+              <a:spAutoFit/>
+            </a:bodyPr>
+            <a:lstStyle/>
+            <a:p>
+              <a:pPr marL="0" marR="0" lvl="0" indent="0" defTabSz="914369" eaLnBrk="1" fontAlgn="auto" latinLnBrk="0" hangingPunct="1">
+                <a:lnSpc>
+                  <a:spcPct val="100000"/>
+                </a:lnSpc>
+                <a:spcBef>
+                  <a:spcPts val="0"/>
+                </a:spcBef>
+                <a:spcAft>
+                  <a:spcPts val="0"/>
+                </a:spcAft>
+                <a:buClrTx/>
+                <a:buSzTx/>
+                <a:buFontTx/>
+                <a:buNone/>
+                <a:tabLst/>
+                <a:defRPr/>
+              </a:pPr>
+              <a:r>
+                <a:rPr kumimoji="0" lang="en-US" sz="1200" b="0" i="0" u="none" strike="noStrike" kern="0" cap="none" spc="0" normalizeH="0" baseline="0" noProof="0" dirty="0">
+                  <a:ln>
+                    <a:noFill/>
+                  </a:ln>
+                  <a:solidFill>
+                    <a:prstClr val="black"/>
+                  </a:solidFill>
+                  <a:effectLst/>
+                  <a:uLnTx/>
+                  <a:uFillTx/>
+                  <a:hlinkClick r:id="rId12"/>
+                </a:rPr>
+                <a:t>Model Context Protocol (MCP)</a:t>
+              </a:r>
+              <a:endParaRPr kumimoji="0" lang="en-US" sz="1200" b="0" i="0" u="none" strike="noStrike" kern="0" cap="none" spc="0" normalizeH="0" baseline="0" noProof="0" dirty="0">
+                <a:ln>
+                  <a:noFill/>
+                </a:ln>
+                <a:solidFill>
+                  <a:prstClr val="black"/>
+                </a:solidFill>
+                <a:effectLst/>
+                <a:uLnTx/>
+                <a:uFillTx/>
+              </a:endParaRPr>
+            </a:p>
+          </p:txBody>
+        </p:sp>
+        <p:pic>
+          <p:nvPicPr>
+            <p:cNvPr id="24" name="Picture 23" descr="Icon&#10;&#10;Description automatically generated">
+              <a:extLst>
+                <a:ext uri="{FF2B5EF4-FFF2-40B4-BE49-F238E27FC236}">
+                  <a16:creationId xmlns:a16="http://schemas.microsoft.com/office/drawing/2014/main" id="{9B78327D-50D8-7251-478B-33D1C20BE4D5}"/>
+                </a:ext>
+              </a:extLst>
+            </p:cNvPr>
+            <p:cNvPicPr>
+              <a:picLocks noChangeAspect="1"/>
+            </p:cNvPicPr>
+            <p:nvPr/>
+          </p:nvPicPr>
+          <p:blipFill>
+            <a:blip r:embed="rId11" cstate="print">
+              <a:extLst>
+                <a:ext uri="{28A0092B-C50C-407E-A947-70E740481C1C}">
+                  <a14:useLocalDpi xmlns:a14="http://schemas.microsoft.com/office/drawing/2010/main" val="0"/>
+                </a:ext>
+              </a:extLst>
+            </a:blip>
+            <a:stretch>
+              <a:fillRect/>
+            </a:stretch>
+          </p:blipFill>
+          <p:spPr>
+            <a:xfrm>
+              <a:off x="5881666" y="1590687"/>
+              <a:ext cx="277000" cy="277000"/>
+            </a:xfrm>
+            <a:prstGeom prst="rect">
+              <a:avLst/>
+            </a:prstGeom>
+          </p:spPr>
+        </p:pic>
       </p:grpSp>
     </p:spTree>
     <p:extLst>
